--- a/docs/diagrams/ResolveSequenceDiagram.pptx
+++ b/docs/diagrams/ResolveSequenceDiagram.pptx
@@ -208,7 +208,7 @@
           <a:p>
             <a:fld id="{F5CC4B3F-88C1-4FFA-B1B6-F41C21DC6924}" type="datetimeFigureOut">
               <a:rPr lang="en-US" smtClean="0"/>
-              <a:t>11/6/2018</a:t>
+              <a:t>11/10/2018</a:t>
             </a:fld>
             <a:endParaRPr lang="en-US"/>
           </a:p>
@@ -654,7 +654,7 @@
           <a:p>
             <a:fld id="{78C97017-6FC3-485B-9764-EAC9E56C1D49}" type="datetimeFigureOut">
               <a:rPr lang="en-US" smtClean="0"/>
-              <a:t>11/6/2018</a:t>
+              <a:t>11/10/2018</a:t>
             </a:fld>
             <a:endParaRPr lang="en-US"/>
           </a:p>
@@ -822,7 +822,7 @@
           <a:p>
             <a:fld id="{78C97017-6FC3-485B-9764-EAC9E56C1D49}" type="datetimeFigureOut">
               <a:rPr lang="en-US" smtClean="0"/>
-              <a:t>11/6/2018</a:t>
+              <a:t>11/10/2018</a:t>
             </a:fld>
             <a:endParaRPr lang="en-US"/>
           </a:p>
@@ -1000,7 +1000,7 @@
           <a:p>
             <a:fld id="{78C97017-6FC3-485B-9764-EAC9E56C1D49}" type="datetimeFigureOut">
               <a:rPr lang="en-US" smtClean="0"/>
-              <a:t>11/6/2018</a:t>
+              <a:t>11/10/2018</a:t>
             </a:fld>
             <a:endParaRPr lang="en-US"/>
           </a:p>
@@ -1168,7 +1168,7 @@
           <a:p>
             <a:fld id="{78C97017-6FC3-485B-9764-EAC9E56C1D49}" type="datetimeFigureOut">
               <a:rPr lang="en-US" smtClean="0"/>
-              <a:t>11/6/2018</a:t>
+              <a:t>11/10/2018</a:t>
             </a:fld>
             <a:endParaRPr lang="en-US"/>
           </a:p>
@@ -1413,7 +1413,7 @@
           <a:p>
             <a:fld id="{78C97017-6FC3-485B-9764-EAC9E56C1D49}" type="datetimeFigureOut">
               <a:rPr lang="en-US" smtClean="0"/>
-              <a:t>11/6/2018</a:t>
+              <a:t>11/10/2018</a:t>
             </a:fld>
             <a:endParaRPr lang="en-US"/>
           </a:p>
@@ -1698,7 +1698,7 @@
           <a:p>
             <a:fld id="{78C97017-6FC3-485B-9764-EAC9E56C1D49}" type="datetimeFigureOut">
               <a:rPr lang="en-US" smtClean="0"/>
-              <a:t>11/6/2018</a:t>
+              <a:t>11/10/2018</a:t>
             </a:fld>
             <a:endParaRPr lang="en-US"/>
           </a:p>
@@ -2117,7 +2117,7 @@
           <a:p>
             <a:fld id="{78C97017-6FC3-485B-9764-EAC9E56C1D49}" type="datetimeFigureOut">
               <a:rPr lang="en-US" smtClean="0"/>
-              <a:t>11/6/2018</a:t>
+              <a:t>11/10/2018</a:t>
             </a:fld>
             <a:endParaRPr lang="en-US"/>
           </a:p>
@@ -2234,7 +2234,7 @@
           <a:p>
             <a:fld id="{78C97017-6FC3-485B-9764-EAC9E56C1D49}" type="datetimeFigureOut">
               <a:rPr lang="en-US" smtClean="0"/>
-              <a:t>11/6/2018</a:t>
+              <a:t>11/10/2018</a:t>
             </a:fld>
             <a:endParaRPr lang="en-US"/>
           </a:p>
@@ -2329,7 +2329,7 @@
           <a:p>
             <a:fld id="{78C97017-6FC3-485B-9764-EAC9E56C1D49}" type="datetimeFigureOut">
               <a:rPr lang="en-US" smtClean="0"/>
-              <a:t>11/6/2018</a:t>
+              <a:t>11/10/2018</a:t>
             </a:fld>
             <a:endParaRPr lang="en-US"/>
           </a:p>
@@ -2604,7 +2604,7 @@
           <a:p>
             <a:fld id="{78C97017-6FC3-485B-9764-EAC9E56C1D49}" type="datetimeFigureOut">
               <a:rPr lang="en-US" smtClean="0"/>
-              <a:t>11/6/2018</a:t>
+              <a:t>11/10/2018</a:t>
             </a:fld>
             <a:endParaRPr lang="en-US"/>
           </a:p>
@@ -2856,7 +2856,7 @@
           <a:p>
             <a:fld id="{78C97017-6FC3-485B-9764-EAC9E56C1D49}" type="datetimeFigureOut">
               <a:rPr lang="en-US" smtClean="0"/>
-              <a:t>11/6/2018</a:t>
+              <a:t>11/10/2018</a:t>
             </a:fld>
             <a:endParaRPr lang="en-US"/>
           </a:p>
@@ -3067,7 +3067,7 @@
           <a:p>
             <a:fld id="{78C97017-6FC3-485B-9764-EAC9E56C1D49}" type="datetimeFigureOut">
               <a:rPr lang="en-US" smtClean="0"/>
-              <a:t>11/6/2018</a:t>
+              <a:t>11/10/2018</a:t>
             </a:fld>
             <a:endParaRPr lang="en-US"/>
           </a:p>
@@ -3832,8 +3832,8 @@
         </p:nvSpPr>
         <p:spPr>
           <a:xfrm>
-            <a:off x="4725653" y="3505202"/>
-            <a:ext cx="102102" cy="741218"/>
+            <a:off x="4725443" y="3590002"/>
+            <a:ext cx="102312" cy="656417"/>
           </a:xfrm>
           <a:prstGeom prst="rect">
             <a:avLst/>
@@ -4046,8 +4046,8 @@
         </p:nvCxnSpPr>
         <p:spPr>
           <a:xfrm>
-            <a:off x="2346338" y="3206327"/>
-            <a:ext cx="762176" cy="0"/>
+            <a:off x="2209800" y="3521423"/>
+            <a:ext cx="1287834" cy="0"/>
           </a:xfrm>
           <a:prstGeom prst="straightConnector1">
             <a:avLst/>
@@ -4084,7 +4084,7 @@
         </p:nvCxnSpPr>
         <p:spPr>
           <a:xfrm>
-            <a:off x="3610763" y="3521423"/>
+            <a:off x="3601880" y="3590003"/>
             <a:ext cx="1123963" cy="0"/>
           </a:xfrm>
           <a:prstGeom prst="straightConnector1">
@@ -4120,7 +4120,7 @@
         </p:nvSpPr>
         <p:spPr>
           <a:xfrm>
-            <a:off x="1739850" y="3069532"/>
+            <a:off x="2128970" y="3384628"/>
             <a:ext cx="1260002" cy="123111"/>
           </a:xfrm>
           <a:prstGeom prst="rect">
@@ -4800,7 +4800,7 @@
         </p:nvSpPr>
         <p:spPr>
           <a:xfrm>
-            <a:off x="3547374" y="3367444"/>
+            <a:off x="3562600" y="3442936"/>
             <a:ext cx="1144431" cy="123111"/>
           </a:xfrm>
           <a:prstGeom prst="rect">
@@ -5461,7 +5461,7 @@
         </p:nvCxnSpPr>
         <p:spPr>
           <a:xfrm>
-            <a:off x="4845725" y="3581400"/>
+            <a:off x="4823861" y="3657600"/>
             <a:ext cx="557794" cy="0"/>
           </a:xfrm>
           <a:prstGeom prst="straightConnector1">
